--- a/docs/RapidNewsBot.pptx
+++ b/docs/RapidNewsBot.pptx
@@ -4283,7 +4283,7 @@
       </p:sp>
       <p:pic>
         <p:nvPicPr>
-          <p:cNvPr id="4" name="Изображение 3"/>
+          <p:cNvPr id="15" name="Изображение 1"/>
           <p:cNvPicPr>
             <a:picLocks noChangeAspect="1"/>
           </p:cNvPicPr>
@@ -4291,15 +4291,15 @@
         </p:nvPicPr>
         <p:blipFill>
           <a:blip r:embed="rId1"/>
-          <a:srcRect t="75" r="25029"/>
+          <a:srcRect t="1457"/>
           <a:stretch>
             <a:fillRect/>
           </a:stretch>
         </p:blipFill>
         <p:spPr>
           <a:xfrm>
-            <a:off x="2447290" y="2499360"/>
-            <a:ext cx="7296150" cy="1686560"/>
+            <a:off x="1760220" y="2432685"/>
+            <a:ext cx="8672195" cy="1992630"/>
           </a:xfrm>
           <a:prstGeom prst="rect">
             <a:avLst/>
@@ -4394,7 +4394,7 @@
       </p:sp>
       <p:pic>
         <p:nvPicPr>
-          <p:cNvPr id="7" name="Изображение 6"/>
+          <p:cNvPr id="5" name="Изображение 2"/>
           <p:cNvPicPr>
             <a:picLocks noChangeAspect="1"/>
           </p:cNvPicPr>
@@ -4408,8 +4408,8 @@
         </p:blipFill>
         <p:spPr>
           <a:xfrm>
-            <a:off x="714375" y="2263775"/>
-            <a:ext cx="4728845" cy="2329815"/>
+            <a:off x="570865" y="2378075"/>
+            <a:ext cx="5172710" cy="2087880"/>
           </a:xfrm>
           <a:prstGeom prst="rect">
             <a:avLst/>
@@ -4422,7 +4422,7 @@
       </p:pic>
       <p:pic>
         <p:nvPicPr>
-          <p:cNvPr id="2" name="Изображение 1"/>
+          <p:cNvPr id="3" name="Изображение 3"/>
           <p:cNvPicPr>
             <a:picLocks noChangeAspect="1"/>
           </p:cNvPicPr>
@@ -4436,8 +4436,8 @@
         </p:blipFill>
         <p:spPr>
           <a:xfrm>
-            <a:off x="5948680" y="2263775"/>
-            <a:ext cx="5219065" cy="2072640"/>
+            <a:off x="6432550" y="2378075"/>
+            <a:ext cx="5271770" cy="2102485"/>
           </a:xfrm>
           <a:prstGeom prst="rect">
             <a:avLst/>
